--- a/20210813-何羽鑫 -PRGC.pptx
+++ b/20210813-何羽鑫 -PRGC.pptx
@@ -207,7 +207,7 @@
           <a:p>
             <a:fld id="{54138CA0-D2C8-4CBD-A352-0534456D3CCF}" type="datetimeFigureOut">
               <a:rPr lang="zh-CN" altLang="en-US" smtClean="0"/>
-              <a:t>2021/8/13</a:t>
+              <a:t>2021/8/14</a:t>
             </a:fld>
             <a:endParaRPr lang="zh-CN" altLang="en-US"/>
           </a:p>
@@ -621,7 +621,7 @@
           <a:p>
             <a:fld id="{F6A35C42-AD79-47EE-A839-0FD92B9C5B13}" type="datetimeFigureOut">
               <a:rPr lang="zh-CN" altLang="en-US" smtClean="0"/>
-              <a:t>2021/8/13</a:t>
+              <a:t>2021/8/14</a:t>
             </a:fld>
             <a:endParaRPr lang="zh-CN" altLang="en-US"/>
           </a:p>
@@ -819,7 +819,7 @@
           <a:p>
             <a:fld id="{F6A35C42-AD79-47EE-A839-0FD92B9C5B13}" type="datetimeFigureOut">
               <a:rPr lang="zh-CN" altLang="en-US" smtClean="0"/>
-              <a:t>2021/8/13</a:t>
+              <a:t>2021/8/14</a:t>
             </a:fld>
             <a:endParaRPr lang="zh-CN" altLang="en-US"/>
           </a:p>
@@ -1027,7 +1027,7 @@
           <a:p>
             <a:fld id="{F6A35C42-AD79-47EE-A839-0FD92B9C5B13}" type="datetimeFigureOut">
               <a:rPr lang="zh-CN" altLang="en-US" smtClean="0"/>
-              <a:t>2021/8/13</a:t>
+              <a:t>2021/8/14</a:t>
             </a:fld>
             <a:endParaRPr lang="zh-CN" altLang="en-US"/>
           </a:p>
@@ -1225,7 +1225,7 @@
           <a:p>
             <a:fld id="{F6A35C42-AD79-47EE-A839-0FD92B9C5B13}" type="datetimeFigureOut">
               <a:rPr lang="zh-CN" altLang="en-US" smtClean="0"/>
-              <a:t>2021/8/13</a:t>
+              <a:t>2021/8/14</a:t>
             </a:fld>
             <a:endParaRPr lang="zh-CN" altLang="en-US"/>
           </a:p>
@@ -1500,7 +1500,7 @@
           <a:p>
             <a:fld id="{F6A35C42-AD79-47EE-A839-0FD92B9C5B13}" type="datetimeFigureOut">
               <a:rPr lang="zh-CN" altLang="en-US" smtClean="0"/>
-              <a:t>2021/8/13</a:t>
+              <a:t>2021/8/14</a:t>
             </a:fld>
             <a:endParaRPr lang="zh-CN" altLang="en-US"/>
           </a:p>
@@ -1765,7 +1765,7 @@
           <a:p>
             <a:fld id="{F6A35C42-AD79-47EE-A839-0FD92B9C5B13}" type="datetimeFigureOut">
               <a:rPr lang="zh-CN" altLang="en-US" smtClean="0"/>
-              <a:t>2021/8/13</a:t>
+              <a:t>2021/8/14</a:t>
             </a:fld>
             <a:endParaRPr lang="zh-CN" altLang="en-US"/>
           </a:p>
@@ -2177,7 +2177,7 @@
           <a:p>
             <a:fld id="{F6A35C42-AD79-47EE-A839-0FD92B9C5B13}" type="datetimeFigureOut">
               <a:rPr lang="zh-CN" altLang="en-US" smtClean="0"/>
-              <a:t>2021/8/13</a:t>
+              <a:t>2021/8/14</a:t>
             </a:fld>
             <a:endParaRPr lang="zh-CN" altLang="en-US"/>
           </a:p>
@@ -2318,7 +2318,7 @@
           <a:p>
             <a:fld id="{F6A35C42-AD79-47EE-A839-0FD92B9C5B13}" type="datetimeFigureOut">
               <a:rPr lang="zh-CN" altLang="en-US" smtClean="0"/>
-              <a:t>2021/8/13</a:t>
+              <a:t>2021/8/14</a:t>
             </a:fld>
             <a:endParaRPr lang="zh-CN" altLang="en-US"/>
           </a:p>
@@ -2431,7 +2431,7 @@
           <a:p>
             <a:fld id="{F6A35C42-AD79-47EE-A839-0FD92B9C5B13}" type="datetimeFigureOut">
               <a:rPr lang="zh-CN" altLang="en-US" smtClean="0"/>
-              <a:t>2021/8/13</a:t>
+              <a:t>2021/8/14</a:t>
             </a:fld>
             <a:endParaRPr lang="zh-CN" altLang="en-US"/>
           </a:p>
@@ -2742,7 +2742,7 @@
           <a:p>
             <a:fld id="{F6A35C42-AD79-47EE-A839-0FD92B9C5B13}" type="datetimeFigureOut">
               <a:rPr lang="zh-CN" altLang="en-US" smtClean="0"/>
-              <a:t>2021/8/13</a:t>
+              <a:t>2021/8/14</a:t>
             </a:fld>
             <a:endParaRPr lang="zh-CN" altLang="en-US"/>
           </a:p>
@@ -3030,7 +3030,7 @@
           <a:p>
             <a:fld id="{F6A35C42-AD79-47EE-A839-0FD92B9C5B13}" type="datetimeFigureOut">
               <a:rPr lang="zh-CN" altLang="en-US" smtClean="0"/>
-              <a:t>2021/8/13</a:t>
+              <a:t>2021/8/14</a:t>
             </a:fld>
             <a:endParaRPr lang="zh-CN" altLang="en-US"/>
           </a:p>
@@ -3271,7 +3271,7 @@
           <a:p>
             <a:fld id="{F6A35C42-AD79-47EE-A839-0FD92B9C5B13}" type="datetimeFigureOut">
               <a:rPr lang="zh-CN" altLang="en-US" smtClean="0"/>
-              <a:t>2021/8/13</a:t>
+              <a:t>2021/8/14</a:t>
             </a:fld>
             <a:endParaRPr lang="zh-CN" altLang="en-US"/>
           </a:p>
@@ -6702,7 +6702,15 @@
             </a:r>
             <a:r>
               <a:rPr lang="zh-CN" altLang="en-US" sz="2400" dirty="0"/>
-              <a:t>使用一个统一的模型（共享编码器）解决这些子任务，从而实现联合抽取。</a:t>
+              <a:t>使用一个统一的</a:t>
+            </a:r>
+            <a:r>
+              <a:rPr lang="zh-CN" altLang="en-US" sz="2400"/>
+              <a:t>模型（各解码模块共享编码器）来解决</a:t>
+            </a:r>
+            <a:r>
+              <a:rPr lang="zh-CN" altLang="en-US" sz="2400" dirty="0"/>
+              <a:t>这些子任务，从而实现联合抽取。</a:t>
             </a:r>
             <a:endParaRPr lang="zh-CN" altLang="en-US" sz="2400" b="1" dirty="0"/>
           </a:p>
